--- a/2_0729/0729_progress.pptx
+++ b/2_0729/0729_progress.pptx
@@ -8,12 +8,12 @@
     <p:sldId id="256" r:id="rId2"/>
     <p:sldId id="318" r:id="rId3"/>
     <p:sldId id="319" r:id="rId4"/>
-    <p:sldId id="320" r:id="rId5"/>
-    <p:sldId id="321" r:id="rId6"/>
-    <p:sldId id="317" r:id="rId7"/>
-    <p:sldId id="322" r:id="rId8"/>
-    <p:sldId id="324" r:id="rId9"/>
-    <p:sldId id="325" r:id="rId10"/>
+    <p:sldId id="317" r:id="rId5"/>
+    <p:sldId id="322" r:id="rId6"/>
+    <p:sldId id="329" r:id="rId7"/>
+    <p:sldId id="324" r:id="rId8"/>
+    <p:sldId id="325" r:id="rId9"/>
+    <p:sldId id="328" r:id="rId10"/>
     <p:sldId id="327" r:id="rId11"/>
     <p:sldId id="323" r:id="rId12"/>
   </p:sldIdLst>
@@ -4815,10 +4815,10 @@
           <a:lstStyle/>
           <a:p>
             <a:r>
-              <a:rPr lang="en-US" altLang="ko-KR"/>
-              <a:t>Prior research (Memorize)</a:t>
-            </a:r>
-            <a:endParaRPr lang="ko-KR" altLang="en-US"/>
+              <a:rPr lang="en-US" altLang="ko-KR" dirty="0"/>
+              <a:t>Prior research (Memorize, Comm)</a:t>
+            </a:r>
+            <a:endParaRPr lang="ko-KR" altLang="en-US" dirty="0"/>
           </a:p>
         </p:txBody>
       </p:sp>
@@ -4837,7 +4837,7 @@
         <p:spPr>
           <a:xfrm>
             <a:off x="838200" y="1690688"/>
-            <a:ext cx="3338927" cy="523220"/>
+            <a:ext cx="8234755" cy="1815882"/>
           </a:xfrm>
           <a:prstGeom prst="rect">
             <a:avLst/>
@@ -4851,10 +4851,25 @@
           <a:lstStyle/>
           <a:p>
             <a:r>
-              <a:rPr lang="en-US" altLang="ko-KR" sz="2800"/>
-              <a:t>CLS Theory , DUCA</a:t>
-            </a:r>
-            <a:endParaRPr lang="ko-KR" altLang="en-US" sz="2800"/>
+              <a:rPr lang="en-US" altLang="ko-KR" sz="2800" dirty="0"/>
+              <a:t>CLS Theory</a:t>
+            </a:r>
+          </a:p>
+          <a:p>
+            <a:endParaRPr lang="en-US" altLang="ko-KR" sz="2800" dirty="0"/>
+          </a:p>
+          <a:p>
+            <a:r>
+              <a:rPr lang="en-US" altLang="ko-KR" sz="2800" dirty="0"/>
+              <a:t>Dual Cognitive Architecture Incorporating Biases</a:t>
+            </a:r>
+          </a:p>
+          <a:p>
+            <a:r>
+              <a:rPr lang="en-US" altLang="ko-KR" sz="2800" dirty="0"/>
+              <a:t>and Multi-Memory Systems for Lifelong Learning</a:t>
+            </a:r>
+            <a:endParaRPr lang="ko-KR" altLang="en-US" sz="2800" dirty="0"/>
           </a:p>
         </p:txBody>
       </p:sp>
@@ -4876,136 +4891,6 @@
   <p:cSld>
     <p:spTree>
       <p:nvGrpSpPr>
-        <p:cNvPr id="1" name="">
-          <a:extLst>
-            <a:ext uri="{FF2B5EF4-FFF2-40B4-BE49-F238E27FC236}">
-              <a16:creationId xmlns:a16="http://schemas.microsoft.com/office/drawing/2014/main" id="{E0F209E9-6B54-E88C-7CB9-92B3846A6F8F}"/>
-            </a:ext>
-          </a:extLst>
-        </p:cNvPr>
-        <p:cNvGrpSpPr/>
-        <p:nvPr/>
-      </p:nvGrpSpPr>
-      <p:grpSpPr>
-        <a:xfrm>
-          <a:off x="0" y="0"/>
-          <a:ext cx="0" cy="0"/>
-          <a:chOff x="0" y="0"/>
-          <a:chExt cx="0" cy="0"/>
-        </a:xfrm>
-      </p:grpSpPr>
-      <p:sp>
-        <p:nvSpPr>
-          <p:cNvPr id="2" name="제목 1">
-            <a:extLst>
-              <a:ext uri="{FF2B5EF4-FFF2-40B4-BE49-F238E27FC236}">
-                <a16:creationId xmlns:a16="http://schemas.microsoft.com/office/drawing/2014/main" id="{1E2814B0-9D24-8F62-FED2-848CC0614740}"/>
-              </a:ext>
-            </a:extLst>
-          </p:cNvPr>
-          <p:cNvSpPr>
-            <a:spLocks noGrp="1"/>
-          </p:cNvSpPr>
-          <p:nvPr>
-            <p:ph type="title"/>
-          </p:nvPr>
-        </p:nvSpPr>
-        <p:spPr/>
-        <p:txBody>
-          <a:bodyPr/>
-          <a:lstStyle/>
-          <a:p>
-            <a:r>
-              <a:rPr lang="en-US" altLang="ko-KR"/>
-              <a:t>Prior research (Comm.)</a:t>
-            </a:r>
-            <a:endParaRPr lang="ko-KR" altLang="en-US"/>
-          </a:p>
-        </p:txBody>
-      </p:sp>
-    </p:spTree>
-    <p:extLst>
-      <p:ext uri="{BB962C8B-B14F-4D97-AF65-F5344CB8AC3E}">
-        <p14:creationId xmlns:p14="http://schemas.microsoft.com/office/powerpoint/2010/main" val="68463996"/>
-      </p:ext>
-    </p:extLst>
-  </p:cSld>
-  <p:clrMapOvr>
-    <a:masterClrMapping/>
-  </p:clrMapOvr>
-</p:sld>
-</file>
-
-<file path=ppt/slides/slide5.xml><?xml version="1.0" encoding="utf-8"?>
-<p:sld xmlns:a="http://schemas.openxmlformats.org/drawingml/2006/main" xmlns:r="http://schemas.openxmlformats.org/officeDocument/2006/relationships" xmlns:p="http://schemas.openxmlformats.org/presentationml/2006/main">
-  <p:cSld>
-    <p:spTree>
-      <p:nvGrpSpPr>
-        <p:cNvPr id="1" name="">
-          <a:extLst>
-            <a:ext uri="{FF2B5EF4-FFF2-40B4-BE49-F238E27FC236}">
-              <a16:creationId xmlns:a16="http://schemas.microsoft.com/office/drawing/2014/main" id="{93E9861C-BDD3-99A7-7015-C17B93598C13}"/>
-            </a:ext>
-          </a:extLst>
-        </p:cNvPr>
-        <p:cNvGrpSpPr/>
-        <p:nvPr/>
-      </p:nvGrpSpPr>
-      <p:grpSpPr>
-        <a:xfrm>
-          <a:off x="0" y="0"/>
-          <a:ext cx="0" cy="0"/>
-          <a:chOff x="0" y="0"/>
-          <a:chExt cx="0" cy="0"/>
-        </a:xfrm>
-      </p:grpSpPr>
-      <p:sp>
-        <p:nvSpPr>
-          <p:cNvPr id="2" name="제목 1">
-            <a:extLst>
-              <a:ext uri="{FF2B5EF4-FFF2-40B4-BE49-F238E27FC236}">
-                <a16:creationId xmlns:a16="http://schemas.microsoft.com/office/drawing/2014/main" id="{58A7AC9D-40F4-2CA4-CDAE-6B5DA52693F8}"/>
-              </a:ext>
-            </a:extLst>
-          </p:cNvPr>
-          <p:cNvSpPr>
-            <a:spLocks noGrp="1"/>
-          </p:cNvSpPr>
-          <p:nvPr>
-            <p:ph type="title"/>
-          </p:nvPr>
-        </p:nvSpPr>
-        <p:spPr/>
-        <p:txBody>
-          <a:bodyPr/>
-          <a:lstStyle/>
-          <a:p>
-            <a:r>
-              <a:rPr lang="en-US" altLang="ko-KR"/>
-              <a:t>Prior research (Overgrow)</a:t>
-            </a:r>
-            <a:endParaRPr lang="ko-KR" altLang="en-US"/>
-          </a:p>
-        </p:txBody>
-      </p:sp>
-    </p:spTree>
-    <p:extLst>
-      <p:ext uri="{BB962C8B-B14F-4D97-AF65-F5344CB8AC3E}">
-        <p14:creationId xmlns:p14="http://schemas.microsoft.com/office/powerpoint/2010/main" val="1201180690"/>
-      </p:ext>
-    </p:extLst>
-  </p:cSld>
-  <p:clrMapOvr>
-    <a:masterClrMapping/>
-  </p:clrMapOvr>
-</p:sld>
-</file>
-
-<file path=ppt/slides/slide6.xml><?xml version="1.0" encoding="utf-8"?>
-<p:sld xmlns:a="http://schemas.openxmlformats.org/drawingml/2006/main" xmlns:r="http://schemas.openxmlformats.org/officeDocument/2006/relationships" xmlns:p="http://schemas.openxmlformats.org/presentationml/2006/main">
-  <p:cSld>
-    <p:spTree>
-      <p:nvGrpSpPr>
         <p:cNvPr id="1" name=""/>
         <p:cNvGrpSpPr/>
         <p:nvPr/>
@@ -5044,67 +4929,6 @@
               <a:t>Architecture with Autism, Savant Feature</a:t>
             </a:r>
             <a:endParaRPr lang="ko-KR" altLang="en-US"/>
-          </a:p>
-        </p:txBody>
-      </p:sp>
-      <p:sp>
-        <p:nvSpPr>
-          <p:cNvPr id="4" name="사각형: 둥근 모서리 3">
-            <a:extLst>
-              <a:ext uri="{FF2B5EF4-FFF2-40B4-BE49-F238E27FC236}">
-                <a16:creationId xmlns:a16="http://schemas.microsoft.com/office/drawing/2014/main" id="{32C97D96-E77C-8C97-6EAD-6B2FAE73374E}"/>
-              </a:ext>
-            </a:extLst>
-          </p:cNvPr>
-          <p:cNvSpPr/>
-          <p:nvPr/>
-        </p:nvSpPr>
-        <p:spPr>
-          <a:xfrm>
-            <a:off x="4554583" y="2157006"/>
-            <a:ext cx="6801394" cy="4335869"/>
-          </a:xfrm>
-          <a:prstGeom prst="roundRect">
-            <a:avLst/>
-          </a:prstGeom>
-          <a:solidFill>
-            <a:schemeClr val="bg1"/>
-          </a:solidFill>
-          <a:ln>
-            <a:solidFill>
-              <a:schemeClr val="tx1"/>
-            </a:solidFill>
-          </a:ln>
-        </p:spPr>
-        <p:style>
-          <a:lnRef idx="2">
-            <a:schemeClr val="accent1">
-              <a:shade val="15000"/>
-            </a:schemeClr>
-          </a:lnRef>
-          <a:fillRef idx="1">
-            <a:schemeClr val="accent1"/>
-          </a:fillRef>
-          <a:effectRef idx="0">
-            <a:schemeClr val="accent1"/>
-          </a:effectRef>
-          <a:fontRef idx="minor">
-            <a:schemeClr val="lt1"/>
-          </a:fontRef>
-        </p:style>
-        <p:txBody>
-          <a:bodyPr wrap="none" rtlCol="0" anchor="b"/>
-          <a:lstStyle/>
-          <a:p>
-            <a:pPr algn="ctr"/>
-            <a:r>
-              <a:rPr lang="en-US" altLang="ko-KR">
-                <a:solidFill>
-                  <a:schemeClr val="tx1"/>
-                </a:solidFill>
-              </a:rPr>
-              <a:t>Model</a:t>
-            </a:r>
           </a:p>
         </p:txBody>
       </p:sp>
@@ -5245,12 +5069,242 @@
           </a:p>
         </p:txBody>
       </p:sp>
+      <p:grpSp>
+        <p:nvGrpSpPr>
+          <p:cNvPr id="3" name="그룹 2">
+            <a:extLst>
+              <a:ext uri="{FF2B5EF4-FFF2-40B4-BE49-F238E27FC236}">
+                <a16:creationId xmlns:a16="http://schemas.microsoft.com/office/drawing/2014/main" id="{2022EF4E-3BB8-1CA2-ED89-1F0CA8114A30}"/>
+              </a:ext>
+            </a:extLst>
+          </p:cNvPr>
+          <p:cNvGrpSpPr/>
+          <p:nvPr/>
+        </p:nvGrpSpPr>
+        <p:grpSpPr>
+          <a:xfrm>
+            <a:off x="4554583" y="2157006"/>
+            <a:ext cx="6801394" cy="4335869"/>
+            <a:chOff x="4554583" y="2157006"/>
+            <a:chExt cx="6801394" cy="4335869"/>
+          </a:xfrm>
+        </p:grpSpPr>
+        <p:sp>
+          <p:nvSpPr>
+            <p:cNvPr id="4" name="사각형: 둥근 모서리 3">
+              <a:extLst>
+                <a:ext uri="{FF2B5EF4-FFF2-40B4-BE49-F238E27FC236}">
+                  <a16:creationId xmlns:a16="http://schemas.microsoft.com/office/drawing/2014/main" id="{32C97D96-E77C-8C97-6EAD-6B2FAE73374E}"/>
+                </a:ext>
+              </a:extLst>
+            </p:cNvPr>
+            <p:cNvSpPr/>
+            <p:nvPr/>
+          </p:nvSpPr>
+          <p:spPr>
+            <a:xfrm>
+              <a:off x="4554583" y="2157006"/>
+              <a:ext cx="6801394" cy="4335869"/>
+            </a:xfrm>
+            <a:prstGeom prst="roundRect">
+              <a:avLst/>
+            </a:prstGeom>
+            <a:solidFill>
+              <a:schemeClr val="bg1"/>
+            </a:solidFill>
+            <a:ln>
+              <a:solidFill>
+                <a:schemeClr val="tx1"/>
+              </a:solidFill>
+            </a:ln>
+          </p:spPr>
+          <p:style>
+            <a:lnRef idx="2">
+              <a:schemeClr val="accent1">
+                <a:shade val="15000"/>
+              </a:schemeClr>
+            </a:lnRef>
+            <a:fillRef idx="1">
+              <a:schemeClr val="accent1"/>
+            </a:fillRef>
+            <a:effectRef idx="0">
+              <a:schemeClr val="accent1"/>
+            </a:effectRef>
+            <a:fontRef idx="minor">
+              <a:schemeClr val="lt1"/>
+            </a:fontRef>
+          </p:style>
+          <p:txBody>
+            <a:bodyPr wrap="none" rtlCol="0" anchor="b"/>
+            <a:lstStyle/>
+            <a:p>
+              <a:pPr algn="ctr"/>
+              <a:r>
+                <a:rPr lang="en-US" altLang="ko-KR">
+                  <a:solidFill>
+                    <a:schemeClr val="tx1"/>
+                  </a:solidFill>
+                </a:rPr>
+                <a:t>Model</a:t>
+              </a:r>
+            </a:p>
+          </p:txBody>
+        </p:sp>
+        <p:pic>
+          <p:nvPicPr>
+            <p:cNvPr id="6146" name="Picture 2" descr="연합학습: AI시대의 데이터 보안을 위한 분산형 데이터 학습 전략 - CSLEE Tech Blog %">
+              <a:extLst>
+                <a:ext uri="{FF2B5EF4-FFF2-40B4-BE49-F238E27FC236}">
+                  <a16:creationId xmlns:a16="http://schemas.microsoft.com/office/drawing/2014/main" id="{94B9A54A-D2F1-B931-9011-DC6B660EFE01}"/>
+                </a:ext>
+              </a:extLst>
+            </p:cNvPr>
+            <p:cNvPicPr>
+              <a:picLocks noChangeAspect="1" noChangeArrowheads="1"/>
+            </p:cNvPicPr>
+            <p:nvPr/>
+          </p:nvPicPr>
+          <p:blipFill>
+            <a:blip r:embed="rId3">
+              <a:extLst>
+                <a:ext uri="{28A0092B-C50C-407E-A947-70E740481C1C}">
+                  <a14:useLocalDpi xmlns:a14="http://schemas.microsoft.com/office/drawing/2010/main" val="0"/>
+                </a:ext>
+              </a:extLst>
+            </a:blip>
+            <a:srcRect/>
+            <a:stretch>
+              <a:fillRect/>
+            </a:stretch>
+          </p:blipFill>
+          <p:spPr bwMode="auto">
+            <a:xfrm>
+              <a:off x="5126899" y="2447012"/>
+              <a:ext cx="5656761" cy="3239781"/>
+            </a:xfrm>
+            <a:prstGeom prst="rect">
+              <a:avLst/>
+            </a:prstGeom>
+            <a:noFill/>
+            <a:extLst>
+              <a:ext uri="{909E8E84-426E-40DD-AFC4-6F175D3DCCD1}">
+                <a14:hiddenFill xmlns:a14="http://schemas.microsoft.com/office/drawing/2010/main">
+                  <a:solidFill>
+                    <a:srgbClr val="FFFFFF"/>
+                  </a:solidFill>
+                </a14:hiddenFill>
+              </a:ext>
+            </a:extLst>
+          </p:spPr>
+        </p:pic>
+      </p:grpSp>
+    </p:spTree>
+    <p:extLst>
+      <p:ext uri="{BB962C8B-B14F-4D97-AF65-F5344CB8AC3E}">
+        <p14:creationId xmlns:p14="http://schemas.microsoft.com/office/powerpoint/2010/main" val="351514764"/>
+      </p:ext>
+    </p:extLst>
+  </p:cSld>
+  <p:clrMapOvr>
+    <a:masterClrMapping/>
+  </p:clrMapOvr>
+</p:sld>
+</file>
+
+<file path=ppt/slides/slide5.xml><?xml version="1.0" encoding="utf-8"?>
+<p:sld xmlns:a="http://schemas.openxmlformats.org/drawingml/2006/main" xmlns:r="http://schemas.openxmlformats.org/officeDocument/2006/relationships" xmlns:p="http://schemas.openxmlformats.org/presentationml/2006/main">
+  <p:cSld>
+    <p:spTree>
+      <p:nvGrpSpPr>
+        <p:cNvPr id="1" name=""/>
+        <p:cNvGrpSpPr/>
+        <p:nvPr/>
+      </p:nvGrpSpPr>
+      <p:grpSpPr>
+        <a:xfrm>
+          <a:off x="0" y="0"/>
+          <a:ext cx="0" cy="0"/>
+          <a:chOff x="0" y="0"/>
+          <a:chExt cx="0" cy="0"/>
+        </a:xfrm>
+      </p:grpSpPr>
+      <p:sp>
+        <p:nvSpPr>
+          <p:cNvPr id="2" name="제목 1">
+            <a:extLst>
+              <a:ext uri="{FF2B5EF4-FFF2-40B4-BE49-F238E27FC236}">
+                <a16:creationId xmlns:a16="http://schemas.microsoft.com/office/drawing/2014/main" id="{BAE0CF5F-43BE-79B3-24F0-9B0A37E54BB0}"/>
+              </a:ext>
+            </a:extLst>
+          </p:cNvPr>
+          <p:cNvSpPr>
+            <a:spLocks noGrp="1"/>
+          </p:cNvSpPr>
+          <p:nvPr>
+            <p:ph type="title"/>
+          </p:nvPr>
+        </p:nvSpPr>
+        <p:spPr/>
+        <p:txBody>
+          <a:bodyPr/>
+          <a:lstStyle/>
+          <a:p>
+            <a:r>
+              <a:rPr lang="en-US" altLang="ko-KR"/>
+              <a:t>Prior research</a:t>
+            </a:r>
+            <a:endParaRPr lang="ko-KR" altLang="en-US"/>
+          </a:p>
+        </p:txBody>
+      </p:sp>
+      <p:sp>
+        <p:nvSpPr>
+          <p:cNvPr id="5" name="TextBox 4">
+            <a:extLst>
+              <a:ext uri="{FF2B5EF4-FFF2-40B4-BE49-F238E27FC236}">
+                <a16:creationId xmlns:a16="http://schemas.microsoft.com/office/drawing/2014/main" id="{EC5077EB-B96E-943E-2EC8-AB4571F9BEEC}"/>
+              </a:ext>
+            </a:extLst>
+          </p:cNvPr>
+          <p:cNvSpPr txBox="1"/>
+          <p:nvPr/>
+        </p:nvSpPr>
+        <p:spPr>
+          <a:xfrm>
+            <a:off x="838200" y="1968137"/>
+            <a:ext cx="6354112" cy="707886"/>
+          </a:xfrm>
+          <a:prstGeom prst="rect">
+            <a:avLst/>
+          </a:prstGeom>
+          <a:noFill/>
+        </p:spPr>
+        <p:txBody>
+          <a:bodyPr wrap="none" rtlCol="0">
+            <a:spAutoFit/>
+          </a:bodyPr>
+          <a:lstStyle/>
+          <a:p>
+            <a:r>
+              <a:rPr lang="en-US" altLang="ko-KR" sz="2000" dirty="0"/>
+              <a:t>Andrew Jaegle et al. 2021</a:t>
+            </a:r>
+          </a:p>
+          <a:p>
+            <a:r>
+              <a:rPr lang="en-US" altLang="ko-KR" sz="2000" dirty="0"/>
+              <a:t>Perceiver: General Perception with Iterative Attention</a:t>
+            </a:r>
+            <a:endParaRPr lang="ko-KR" altLang="en-US" sz="2000" dirty="0"/>
+          </a:p>
+        </p:txBody>
+      </p:sp>
       <p:pic>
         <p:nvPicPr>
-          <p:cNvPr id="6146" name="Picture 2" descr="연합학습: AI시대의 데이터 보안을 위한 분산형 데이터 학습 전략 - CSLEE Tech Blog %">
-            <a:extLst>
-              <a:ext uri="{FF2B5EF4-FFF2-40B4-BE49-F238E27FC236}">
-                <a16:creationId xmlns:a16="http://schemas.microsoft.com/office/drawing/2014/main" id="{94B9A54A-D2F1-B931-9011-DC6B660EFE01}"/>
+          <p:cNvPr id="12" name="Picture 4" descr="Intrinsic neural network dynamics underlying the ability to down-regulate  emotions in male perpetrators of intimate partner violence against women |  springermedizin.de">
+            <a:extLst>
+              <a:ext uri="{FF2B5EF4-FFF2-40B4-BE49-F238E27FC236}">
+                <a16:creationId xmlns:a16="http://schemas.microsoft.com/office/drawing/2014/main" id="{6014EB2C-636E-8784-0F05-E72D93ADD56F}"/>
               </a:ext>
             </a:extLst>
           </p:cNvPr>
@@ -5260,7 +5314,7 @@
           <p:nvPr/>
         </p:nvPicPr>
         <p:blipFill>
-          <a:blip r:embed="rId3">
+          <a:blip r:embed="rId2">
             <a:extLst>
               <a:ext uri="{28A0092B-C50C-407E-A947-70E740481C1C}">
                 <a14:useLocalDpi xmlns:a14="http://schemas.microsoft.com/office/drawing/2010/main" val="0"/>
@@ -5274,8 +5328,8 @@
         </p:blipFill>
         <p:spPr bwMode="auto">
           <a:xfrm>
-            <a:off x="5126899" y="2447012"/>
-            <a:ext cx="5656761" cy="3239781"/>
+            <a:off x="838200" y="3301815"/>
+            <a:ext cx="2322602" cy="2461832"/>
           </a:xfrm>
           <a:prstGeom prst="rect">
             <a:avLst/>
@@ -5292,62 +5346,258 @@
           </a:extLst>
         </p:spPr>
       </p:pic>
-    </p:spTree>
-    <p:extLst>
-      <p:ext uri="{BB962C8B-B14F-4D97-AF65-F5344CB8AC3E}">
-        <p14:creationId xmlns:p14="http://schemas.microsoft.com/office/powerpoint/2010/main" val="351514764"/>
-      </p:ext>
-    </p:extLst>
-  </p:cSld>
-  <p:clrMapOvr>
-    <a:masterClrMapping/>
-  </p:clrMapOvr>
-</p:sld>
-</file>
-
-<file path=ppt/slides/slide7.xml><?xml version="1.0" encoding="utf-8"?>
-<p:sld xmlns:a="http://schemas.openxmlformats.org/drawingml/2006/main" xmlns:r="http://schemas.openxmlformats.org/officeDocument/2006/relationships" xmlns:p="http://schemas.openxmlformats.org/presentationml/2006/main">
-  <p:cSld>
-    <p:spTree>
-      <p:nvGrpSpPr>
-        <p:cNvPr id="1" name=""/>
-        <p:cNvGrpSpPr/>
-        <p:nvPr/>
-      </p:nvGrpSpPr>
-      <p:grpSpPr>
-        <a:xfrm>
-          <a:off x="0" y="0"/>
-          <a:ext cx="0" cy="0"/>
-          <a:chOff x="0" y="0"/>
-          <a:chExt cx="0" cy="0"/>
-        </a:xfrm>
-      </p:grpSpPr>
-      <p:sp>
-        <p:nvSpPr>
-          <p:cNvPr id="2" name="제목 1">
-            <a:extLst>
-              <a:ext uri="{FF2B5EF4-FFF2-40B4-BE49-F238E27FC236}">
-                <a16:creationId xmlns:a16="http://schemas.microsoft.com/office/drawing/2014/main" id="{BAE0CF5F-43BE-79B3-24F0-9B0A37E54BB0}"/>
-              </a:ext>
-            </a:extLst>
-          </p:cNvPr>
-          <p:cNvSpPr>
-            <a:spLocks noGrp="1"/>
-          </p:cNvSpPr>
-          <p:nvPr>
-            <p:ph type="title"/>
-          </p:nvPr>
-        </p:nvSpPr>
-        <p:spPr/>
-        <p:txBody>
-          <a:bodyPr/>
-          <a:lstStyle/>
-          <a:p>
-            <a:r>
-              <a:rPr lang="en-US" altLang="ko-KR"/>
-              <a:t>Prior research</a:t>
-            </a:r>
-            <a:endParaRPr lang="ko-KR" altLang="en-US"/>
+      <p:cxnSp>
+        <p:nvCxnSpPr>
+          <p:cNvPr id="14" name="직선 화살표 연결선 13">
+            <a:extLst>
+              <a:ext uri="{FF2B5EF4-FFF2-40B4-BE49-F238E27FC236}">
+                <a16:creationId xmlns:a16="http://schemas.microsoft.com/office/drawing/2014/main" id="{791DBE8D-A037-0E33-D17C-47CD55BAC6F6}"/>
+              </a:ext>
+            </a:extLst>
+          </p:cNvPr>
+          <p:cNvCxnSpPr>
+            <a:cxnSpLocks/>
+            <a:stCxn id="15" idx="1"/>
+            <a:endCxn id="12" idx="3"/>
+          </p:cNvCxnSpPr>
+          <p:nvPr/>
+        </p:nvCxnSpPr>
+        <p:spPr>
+          <a:xfrm flipH="1">
+            <a:off x="3160802" y="3501870"/>
+            <a:ext cx="496798" cy="1030861"/>
+          </a:xfrm>
+          <a:prstGeom prst="straightConnector1">
+            <a:avLst/>
+          </a:prstGeom>
+          <a:ln w="57150">
+            <a:solidFill>
+              <a:srgbClr val="7030A0"/>
+            </a:solidFill>
+            <a:tailEnd type="triangle"/>
+          </a:ln>
+        </p:spPr>
+        <p:style>
+          <a:lnRef idx="2">
+            <a:schemeClr val="accent1"/>
+          </a:lnRef>
+          <a:fillRef idx="0">
+            <a:schemeClr val="accent1"/>
+          </a:fillRef>
+          <a:effectRef idx="1">
+            <a:schemeClr val="accent1"/>
+          </a:effectRef>
+          <a:fontRef idx="minor">
+            <a:schemeClr val="tx1"/>
+          </a:fontRef>
+        </p:style>
+      </p:cxnSp>
+      <p:sp>
+        <p:nvSpPr>
+          <p:cNvPr id="15" name="TextBox 14">
+            <a:extLst>
+              <a:ext uri="{FF2B5EF4-FFF2-40B4-BE49-F238E27FC236}">
+                <a16:creationId xmlns:a16="http://schemas.microsoft.com/office/drawing/2014/main" id="{8A3A22CE-2787-9D8B-5DFE-C91A4C5B377A}"/>
+              </a:ext>
+            </a:extLst>
+          </p:cNvPr>
+          <p:cNvSpPr txBox="1"/>
+          <p:nvPr/>
+        </p:nvSpPr>
+        <p:spPr>
+          <a:xfrm>
+            <a:off x="3657600" y="3301815"/>
+            <a:ext cx="1382751" cy="400110"/>
+          </a:xfrm>
+          <a:prstGeom prst="rect">
+            <a:avLst/>
+          </a:prstGeom>
+          <a:noFill/>
+        </p:spPr>
+        <p:txBody>
+          <a:bodyPr wrap="none" rtlCol="0">
+            <a:spAutoFit/>
+          </a:bodyPr>
+          <a:lstStyle/>
+          <a:p>
+            <a:r>
+              <a:rPr lang="en-US" altLang="ko-KR" sz="2000" dirty="0"/>
+              <a:t>Attention?</a:t>
+            </a:r>
+            <a:endParaRPr lang="ko-KR" altLang="en-US" sz="2000" dirty="0"/>
+          </a:p>
+        </p:txBody>
+      </p:sp>
+      <p:grpSp>
+        <p:nvGrpSpPr>
+          <p:cNvPr id="19" name="그룹 18">
+            <a:extLst>
+              <a:ext uri="{FF2B5EF4-FFF2-40B4-BE49-F238E27FC236}">
+                <a16:creationId xmlns:a16="http://schemas.microsoft.com/office/drawing/2014/main" id="{EB8160AC-E1F1-3C67-6B70-CA8A01A8E563}"/>
+              </a:ext>
+            </a:extLst>
+          </p:cNvPr>
+          <p:cNvGrpSpPr/>
+          <p:nvPr/>
+        </p:nvGrpSpPr>
+        <p:grpSpPr>
+          <a:xfrm>
+            <a:off x="7192312" y="3106385"/>
+            <a:ext cx="3979819" cy="2852692"/>
+            <a:chOff x="4554583" y="2157006"/>
+            <a:chExt cx="6801394" cy="4335869"/>
+          </a:xfrm>
+        </p:grpSpPr>
+        <p:sp>
+          <p:nvSpPr>
+            <p:cNvPr id="20" name="사각형: 둥근 모서리 19">
+              <a:extLst>
+                <a:ext uri="{FF2B5EF4-FFF2-40B4-BE49-F238E27FC236}">
+                  <a16:creationId xmlns:a16="http://schemas.microsoft.com/office/drawing/2014/main" id="{F14B9569-2E70-A5E4-BB71-E3187880B9AE}"/>
+                </a:ext>
+              </a:extLst>
+            </p:cNvPr>
+            <p:cNvSpPr/>
+            <p:nvPr/>
+          </p:nvSpPr>
+          <p:spPr>
+            <a:xfrm>
+              <a:off x="4554583" y="2157006"/>
+              <a:ext cx="6801394" cy="4335869"/>
+            </a:xfrm>
+            <a:prstGeom prst="roundRect">
+              <a:avLst/>
+            </a:prstGeom>
+            <a:solidFill>
+              <a:schemeClr val="bg1"/>
+            </a:solidFill>
+            <a:ln>
+              <a:solidFill>
+                <a:schemeClr val="tx1"/>
+              </a:solidFill>
+            </a:ln>
+          </p:spPr>
+          <p:style>
+            <a:lnRef idx="2">
+              <a:schemeClr val="accent1">
+                <a:shade val="15000"/>
+              </a:schemeClr>
+            </a:lnRef>
+            <a:fillRef idx="1">
+              <a:schemeClr val="accent1"/>
+            </a:fillRef>
+            <a:effectRef idx="0">
+              <a:schemeClr val="accent1"/>
+            </a:effectRef>
+            <a:fontRef idx="minor">
+              <a:schemeClr val="lt1"/>
+            </a:fontRef>
+          </p:style>
+          <p:txBody>
+            <a:bodyPr wrap="none" rtlCol="0" anchor="b"/>
+            <a:lstStyle/>
+            <a:p>
+              <a:pPr algn="ctr"/>
+              <a:r>
+                <a:rPr lang="en-US" altLang="ko-KR">
+                  <a:solidFill>
+                    <a:schemeClr val="tx1"/>
+                  </a:solidFill>
+                </a:rPr>
+                <a:t>Model</a:t>
+              </a:r>
+            </a:p>
+          </p:txBody>
+        </p:sp>
+        <p:pic>
+          <p:nvPicPr>
+            <p:cNvPr id="21" name="Picture 2" descr="연합학습: AI시대의 데이터 보안을 위한 분산형 데이터 학습 전략 - CSLEE Tech Blog %">
+              <a:extLst>
+                <a:ext uri="{FF2B5EF4-FFF2-40B4-BE49-F238E27FC236}">
+                  <a16:creationId xmlns:a16="http://schemas.microsoft.com/office/drawing/2014/main" id="{5653ECA3-BA5B-1D38-9331-AB37C84C5859}"/>
+                </a:ext>
+              </a:extLst>
+            </p:cNvPr>
+            <p:cNvPicPr>
+              <a:picLocks noChangeAspect="1" noChangeArrowheads="1"/>
+            </p:cNvPicPr>
+            <p:nvPr/>
+          </p:nvPicPr>
+          <p:blipFill>
+            <a:blip r:embed="rId3">
+              <a:extLst>
+                <a:ext uri="{28A0092B-C50C-407E-A947-70E740481C1C}">
+                  <a14:useLocalDpi xmlns:a14="http://schemas.microsoft.com/office/drawing/2010/main" val="0"/>
+                </a:ext>
+              </a:extLst>
+            </a:blip>
+            <a:srcRect/>
+            <a:stretch>
+              <a:fillRect/>
+            </a:stretch>
+          </p:blipFill>
+          <p:spPr bwMode="auto">
+            <a:xfrm>
+              <a:off x="5126899" y="2447012"/>
+              <a:ext cx="5656761" cy="3239781"/>
+            </a:xfrm>
+            <a:prstGeom prst="rect">
+              <a:avLst/>
+            </a:prstGeom>
+            <a:noFill/>
+            <a:extLst>
+              <a:ext uri="{909E8E84-426E-40DD-AFC4-6F175D3DCCD1}">
+                <a14:hiddenFill xmlns:a14="http://schemas.microsoft.com/office/drawing/2010/main">
+                  <a:solidFill>
+                    <a:srgbClr val="FFFFFF"/>
+                  </a:solidFill>
+                </a14:hiddenFill>
+              </a:ext>
+            </a:extLst>
+          </p:spPr>
+        </p:pic>
+      </p:grpSp>
+      <p:sp>
+        <p:nvSpPr>
+          <p:cNvPr id="22" name="TextBox 21">
+            <a:extLst>
+              <a:ext uri="{FF2B5EF4-FFF2-40B4-BE49-F238E27FC236}">
+                <a16:creationId xmlns:a16="http://schemas.microsoft.com/office/drawing/2014/main" id="{B1C7E69E-56D5-32D3-AEFA-726302799FF5}"/>
+              </a:ext>
+            </a:extLst>
+          </p:cNvPr>
+          <p:cNvSpPr txBox="1"/>
+          <p:nvPr/>
+        </p:nvSpPr>
+        <p:spPr>
+          <a:xfrm>
+            <a:off x="8763676" y="4163399"/>
+            <a:ext cx="837089" cy="369332"/>
+          </a:xfrm>
+          <a:prstGeom prst="rect">
+            <a:avLst/>
+          </a:prstGeom>
+          <a:noFill/>
+        </p:spPr>
+        <p:txBody>
+          <a:bodyPr wrap="none" rtlCol="0">
+            <a:spAutoFit/>
+          </a:bodyPr>
+          <a:lstStyle/>
+          <a:p>
+            <a:r>
+              <a:rPr lang="en-US" altLang="ko-KR" dirty="0">
+                <a:solidFill>
+                  <a:srgbClr val="FF0000"/>
+                </a:solidFill>
+              </a:rPr>
+              <a:t>Code?</a:t>
+            </a:r>
+            <a:endParaRPr lang="ko-KR" altLang="en-US" dirty="0">
+              <a:solidFill>
+                <a:srgbClr val="FF0000"/>
+              </a:solidFill>
+            </a:endParaRPr>
           </a:p>
         </p:txBody>
       </p:sp>
@@ -5364,7 +5614,108 @@
 </p:sld>
 </file>
 
-<file path=ppt/slides/slide8.xml><?xml version="1.0" encoding="utf-8"?>
+<file path=ppt/slides/slide6.xml><?xml version="1.0" encoding="utf-8"?>
+<p:sld xmlns:a="http://schemas.openxmlformats.org/drawingml/2006/main" xmlns:r="http://schemas.openxmlformats.org/officeDocument/2006/relationships" xmlns:p="http://schemas.openxmlformats.org/presentationml/2006/main">
+  <p:cSld>
+    <p:spTree>
+      <p:nvGrpSpPr>
+        <p:cNvPr id="1" name="">
+          <a:extLst>
+            <a:ext uri="{FF2B5EF4-FFF2-40B4-BE49-F238E27FC236}">
+              <a16:creationId xmlns:a16="http://schemas.microsoft.com/office/drawing/2014/main" id="{37BDF8AC-B961-20DA-3FBD-902CF0DA9D0D}"/>
+            </a:ext>
+          </a:extLst>
+        </p:cNvPr>
+        <p:cNvGrpSpPr/>
+        <p:nvPr/>
+      </p:nvGrpSpPr>
+      <p:grpSpPr>
+        <a:xfrm>
+          <a:off x="0" y="0"/>
+          <a:ext cx="0" cy="0"/>
+          <a:chOff x="0" y="0"/>
+          <a:chExt cx="0" cy="0"/>
+        </a:xfrm>
+      </p:grpSpPr>
+      <p:sp>
+        <p:nvSpPr>
+          <p:cNvPr id="2" name="제목 1">
+            <a:extLst>
+              <a:ext uri="{FF2B5EF4-FFF2-40B4-BE49-F238E27FC236}">
+                <a16:creationId xmlns:a16="http://schemas.microsoft.com/office/drawing/2014/main" id="{F10FCA8D-0520-5E70-3370-829D3D7046FB}"/>
+              </a:ext>
+            </a:extLst>
+          </p:cNvPr>
+          <p:cNvSpPr>
+            <a:spLocks noGrp="1"/>
+          </p:cNvSpPr>
+          <p:nvPr>
+            <p:ph type="title"/>
+          </p:nvPr>
+        </p:nvSpPr>
+        <p:spPr/>
+        <p:txBody>
+          <a:bodyPr/>
+          <a:lstStyle/>
+          <a:p>
+            <a:r>
+              <a:rPr lang="en-US" altLang="ko-KR"/>
+              <a:t>Prior research</a:t>
+            </a:r>
+            <a:endParaRPr lang="ko-KR" altLang="en-US"/>
+          </a:p>
+        </p:txBody>
+      </p:sp>
+      <p:pic>
+        <p:nvPicPr>
+          <p:cNvPr id="4" name="그림 3" descr="텍스트, 도표, 라인, 평면도이(가) 표시된 사진&#10;&#10;AI 생성 콘텐츠는 정확하지 않을 수 있습니다.">
+            <a:extLst>
+              <a:ext uri="{FF2B5EF4-FFF2-40B4-BE49-F238E27FC236}">
+                <a16:creationId xmlns:a16="http://schemas.microsoft.com/office/drawing/2014/main" id="{34ACA868-352E-6B96-B793-4CE89DE09513}"/>
+              </a:ext>
+            </a:extLst>
+          </p:cNvPr>
+          <p:cNvPicPr>
+            <a:picLocks noChangeAspect="1"/>
+          </p:cNvPicPr>
+          <p:nvPr/>
+        </p:nvPicPr>
+        <p:blipFill>
+          <a:blip r:embed="rId2">
+            <a:extLst>
+              <a:ext uri="{28A0092B-C50C-407E-A947-70E740481C1C}">
+                <a14:useLocalDpi xmlns:a14="http://schemas.microsoft.com/office/drawing/2010/main" val="0"/>
+              </a:ext>
+            </a:extLst>
+          </a:blip>
+          <a:stretch>
+            <a:fillRect/>
+          </a:stretch>
+        </p:blipFill>
+        <p:spPr>
+          <a:xfrm>
+            <a:off x="218254" y="1690688"/>
+            <a:ext cx="11755491" cy="3696216"/>
+          </a:xfrm>
+          <a:prstGeom prst="rect">
+            <a:avLst/>
+          </a:prstGeom>
+        </p:spPr>
+      </p:pic>
+    </p:spTree>
+    <p:extLst>
+      <p:ext uri="{BB962C8B-B14F-4D97-AF65-F5344CB8AC3E}">
+        <p14:creationId xmlns:p14="http://schemas.microsoft.com/office/powerpoint/2010/main" val="4275960979"/>
+      </p:ext>
+    </p:extLst>
+  </p:cSld>
+  <p:clrMapOvr>
+    <a:masterClrMapping/>
+  </p:clrMapOvr>
+</p:sld>
+</file>
+
+<file path=ppt/slides/slide7.xml><?xml version="1.0" encoding="utf-8"?>
 <p:sld xmlns:a="http://schemas.openxmlformats.org/drawingml/2006/main" xmlns:r="http://schemas.openxmlformats.org/officeDocument/2006/relationships" xmlns:p="http://schemas.openxmlformats.org/presentationml/2006/main">
   <p:cSld>
     <p:spTree>
@@ -5629,14 +5980,14 @@
             <a:p>
               <a:pPr algn="ctr"/>
               <a:r>
-                <a:rPr lang="en-US" altLang="ko-KR" sz="1200" b="1">
+                <a:rPr lang="en-US" altLang="ko-KR" sz="1200" b="1" dirty="0">
                   <a:solidFill>
                     <a:schemeClr val="tx1"/>
                   </a:solidFill>
                 </a:rPr>
                 <a:t>Art</a:t>
               </a:r>
-              <a:endParaRPr lang="en-US" altLang="ko-KR" sz="1200">
+              <a:endParaRPr lang="en-US" altLang="ko-KR" sz="1200" dirty="0">
                 <a:solidFill>
                   <a:schemeClr val="tx1"/>
                 </a:solidFill>
@@ -5645,14 +5996,14 @@
             <a:p>
               <a:pPr algn="ctr"/>
               <a:r>
-                <a:rPr lang="en-US" altLang="ko-KR" sz="1200" b="1">
+                <a:rPr lang="en-US" altLang="ko-KR" sz="1200" b="1" dirty="0">
                   <a:solidFill>
                     <a:schemeClr val="tx1"/>
                   </a:solidFill>
                 </a:rPr>
                 <a:t>Drawing</a:t>
               </a:r>
-              <a:endParaRPr lang="en-US" altLang="ko-KR" sz="1200">
+              <a:endParaRPr lang="en-US" altLang="ko-KR" sz="1200" dirty="0">
                 <a:solidFill>
                   <a:schemeClr val="tx1"/>
                 </a:solidFill>
@@ -6120,7 +6471,7 @@
 </p:sld>
 </file>
 
-<file path=ppt/slides/slide9.xml><?xml version="1.0" encoding="utf-8"?>
+<file path=ppt/slides/slide8.xml><?xml version="1.0" encoding="utf-8"?>
 <p:sld xmlns:a="http://schemas.openxmlformats.org/drawingml/2006/main" xmlns:r="http://schemas.openxmlformats.org/officeDocument/2006/relationships" xmlns:p="http://schemas.openxmlformats.org/presentationml/2006/main">
   <p:cSld>
     <p:spTree>
@@ -6159,6 +6510,178 @@
           <a:lstStyle/>
           <a:p>
             <a:r>
+              <a:rPr lang="en-US" altLang="ko-KR" dirty="0"/>
+              <a:t>Prior research (Overfit)</a:t>
+            </a:r>
+            <a:endParaRPr lang="ko-KR" altLang="en-US" dirty="0"/>
+          </a:p>
+        </p:txBody>
+      </p:sp>
+      <p:sp>
+        <p:nvSpPr>
+          <p:cNvPr id="3" name="TextBox 2">
+            <a:extLst>
+              <a:ext uri="{FF2B5EF4-FFF2-40B4-BE49-F238E27FC236}">
+                <a16:creationId xmlns:a16="http://schemas.microsoft.com/office/drawing/2014/main" id="{9F93DE1B-55EC-3119-9C83-EC3AA17B7AAF}"/>
+              </a:ext>
+            </a:extLst>
+          </p:cNvPr>
+          <p:cNvSpPr txBox="1"/>
+          <p:nvPr/>
+        </p:nvSpPr>
+        <p:spPr>
+          <a:xfrm>
+            <a:off x="838200" y="2098765"/>
+            <a:ext cx="6685420" cy="1015663"/>
+          </a:xfrm>
+          <a:prstGeom prst="rect">
+            <a:avLst/>
+          </a:prstGeom>
+          <a:noFill/>
+        </p:spPr>
+        <p:txBody>
+          <a:bodyPr wrap="none" rtlCol="0">
+            <a:spAutoFit/>
+          </a:bodyPr>
+          <a:lstStyle/>
+          <a:p>
+            <a:r>
+              <a:rPr lang="en-US" altLang="ko-KR" sz="2000" dirty="0"/>
+              <a:t>Machi </a:t>
+            </a:r>
+            <a:r>
+              <a:rPr lang="en-US" altLang="ko-KR" sz="2000" dirty="0" err="1"/>
+              <a:t>Shimmei</a:t>
+            </a:r>
+            <a:r>
+              <a:rPr lang="en-US" altLang="ko-KR" sz="2000" dirty="0"/>
+              <a:t> et al. 2023</a:t>
+            </a:r>
+          </a:p>
+          <a:p>
+            <a:r>
+              <a:rPr lang="en-US" altLang="ko-KR" sz="2000" dirty="0"/>
+              <a:t>Can’t Inflate Data? Let the Models Unite and Vote:</a:t>
+            </a:r>
+          </a:p>
+          <a:p>
+            <a:r>
+              <a:rPr lang="en-US" altLang="ko-KR" sz="2000" dirty="0"/>
+              <a:t>Data-agnostic Method to Avoid Overfit with Small Data</a:t>
+            </a:r>
+            <a:endParaRPr lang="ko-KR" altLang="en-US" sz="2000" dirty="0"/>
+          </a:p>
+        </p:txBody>
+      </p:sp>
+      <p:sp>
+        <p:nvSpPr>
+          <p:cNvPr id="11" name="TextBox 10">
+            <a:extLst>
+              <a:ext uri="{FF2B5EF4-FFF2-40B4-BE49-F238E27FC236}">
+                <a16:creationId xmlns:a16="http://schemas.microsoft.com/office/drawing/2014/main" id="{6BE800F5-20B5-7200-632C-17F474AEEA63}"/>
+              </a:ext>
+            </a:extLst>
+          </p:cNvPr>
+          <p:cNvSpPr txBox="1"/>
+          <p:nvPr/>
+        </p:nvSpPr>
+        <p:spPr>
+          <a:xfrm>
+            <a:off x="838200" y="3574649"/>
+            <a:ext cx="6768648" cy="1323439"/>
+          </a:xfrm>
+          <a:prstGeom prst="rect">
+            <a:avLst/>
+          </a:prstGeom>
+          <a:noFill/>
+        </p:spPr>
+        <p:txBody>
+          <a:bodyPr wrap="none" rtlCol="0">
+            <a:spAutoFit/>
+          </a:bodyPr>
+          <a:lstStyle/>
+          <a:p>
+            <a:r>
+              <a:rPr lang="en-US" altLang="ko-KR" sz="2000" dirty="0"/>
+              <a:t>A situation with limited data</a:t>
+            </a:r>
+          </a:p>
+          <a:p>
+            <a:endParaRPr lang="en-US" altLang="ko-KR" sz="2000" dirty="0"/>
+          </a:p>
+          <a:p>
+            <a:r>
+              <a:rPr lang="en-US" altLang="ko-KR" sz="2000" dirty="0"/>
+              <a:t>Overfit -&gt; Over Memorize</a:t>
+            </a:r>
+          </a:p>
+          <a:p>
+            <a:r>
+              <a:rPr lang="en-US" altLang="ko-KR" sz="2000" dirty="0"/>
+              <a:t>Many Overfit Model -&gt; Many analysis -&gt; High Accuracy</a:t>
+            </a:r>
+            <a:endParaRPr lang="ko-KR" altLang="en-US" sz="2000" dirty="0"/>
+          </a:p>
+        </p:txBody>
+      </p:sp>
+    </p:spTree>
+    <p:extLst>
+      <p:ext uri="{BB962C8B-B14F-4D97-AF65-F5344CB8AC3E}">
+        <p14:creationId xmlns:p14="http://schemas.microsoft.com/office/powerpoint/2010/main" val="3698788633"/>
+      </p:ext>
+    </p:extLst>
+  </p:cSld>
+  <p:clrMapOvr>
+    <a:masterClrMapping/>
+  </p:clrMapOvr>
+</p:sld>
+</file>
+
+<file path=ppt/slides/slide9.xml><?xml version="1.0" encoding="utf-8"?>
+<p:sld xmlns:a="http://schemas.openxmlformats.org/drawingml/2006/main" xmlns:r="http://schemas.openxmlformats.org/officeDocument/2006/relationships" xmlns:p="http://schemas.openxmlformats.org/presentationml/2006/main">
+  <p:cSld>
+    <p:spTree>
+      <p:nvGrpSpPr>
+        <p:cNvPr id="1" name="">
+          <a:extLst>
+            <a:ext uri="{FF2B5EF4-FFF2-40B4-BE49-F238E27FC236}">
+              <a16:creationId xmlns:a16="http://schemas.microsoft.com/office/drawing/2014/main" id="{1F473E60-F1FF-EB7D-F312-9C0D3EDE8905}"/>
+            </a:ext>
+          </a:extLst>
+        </p:cNvPr>
+        <p:cNvGrpSpPr/>
+        <p:nvPr/>
+      </p:nvGrpSpPr>
+      <p:grpSpPr>
+        <a:xfrm>
+          <a:off x="0" y="0"/>
+          <a:ext cx="0" cy="0"/>
+          <a:chOff x="0" y="0"/>
+          <a:chExt cx="0" cy="0"/>
+        </a:xfrm>
+      </p:grpSpPr>
+      <p:sp>
+        <p:nvSpPr>
+          <p:cNvPr id="2" name="제목 1">
+            <a:extLst>
+              <a:ext uri="{FF2B5EF4-FFF2-40B4-BE49-F238E27FC236}">
+                <a16:creationId xmlns:a16="http://schemas.microsoft.com/office/drawing/2014/main" id="{C0DF73CD-B3A7-6600-EDD0-0BEC7432A56B}"/>
+              </a:ext>
+            </a:extLst>
+          </p:cNvPr>
+          <p:cNvSpPr>
+            <a:spLocks noGrp="1"/>
+          </p:cNvSpPr>
+          <p:nvPr>
+            <p:ph type="title"/>
+          </p:nvPr>
+        </p:nvSpPr>
+        <p:spPr/>
+        <p:txBody>
+          <a:bodyPr/>
+          <a:lstStyle/>
+          <a:p>
+            <a:r>
               <a:rPr lang="en-US" altLang="ko-KR"/>
               <a:t>Prior research</a:t>
             </a:r>
@@ -6171,7 +6694,7 @@
           <p:cNvPr id="5" name="그림 4">
             <a:extLst>
               <a:ext uri="{FF2B5EF4-FFF2-40B4-BE49-F238E27FC236}">
-                <a16:creationId xmlns:a16="http://schemas.microsoft.com/office/drawing/2014/main" id="{172A5C7C-3EA9-2F8D-44B5-874880F06A83}"/>
+                <a16:creationId xmlns:a16="http://schemas.microsoft.com/office/drawing/2014/main" id="{E17D139E-B5BD-0477-D206-3956CA34EAEA}"/>
               </a:ext>
             </a:extLst>
           </p:cNvPr>
@@ -6201,7 +6724,7 @@
           <p:cNvPr id="6" name="TextBox 5">
             <a:extLst>
               <a:ext uri="{FF2B5EF4-FFF2-40B4-BE49-F238E27FC236}">
-                <a16:creationId xmlns:a16="http://schemas.microsoft.com/office/drawing/2014/main" id="{5A9B923E-138A-2C90-0E58-B0CEF43DB247}"/>
+                <a16:creationId xmlns:a16="http://schemas.microsoft.com/office/drawing/2014/main" id="{EB555B73-1330-24EE-D041-A0A1E2D52B1B}"/>
               </a:ext>
             </a:extLst>
           </p:cNvPr>
@@ -6237,7 +6760,7 @@
           <p:cNvPr id="8" name="직선 화살표 연결선 7">
             <a:extLst>
               <a:ext uri="{FF2B5EF4-FFF2-40B4-BE49-F238E27FC236}">
-                <a16:creationId xmlns:a16="http://schemas.microsoft.com/office/drawing/2014/main" id="{3EB1F800-C63E-BBE7-A8F8-4D8D65BF53F2}"/>
+                <a16:creationId xmlns:a16="http://schemas.microsoft.com/office/drawing/2014/main" id="{6E201DD1-975F-559A-3651-B165C00E04CD}"/>
               </a:ext>
             </a:extLst>
           </p:cNvPr>
@@ -6281,7 +6804,7 @@
           <p:cNvPr id="9" name="직선 화살표 연결선 8">
             <a:extLst>
               <a:ext uri="{FF2B5EF4-FFF2-40B4-BE49-F238E27FC236}">
-                <a16:creationId xmlns:a16="http://schemas.microsoft.com/office/drawing/2014/main" id="{01B2EEF8-1EC4-6F47-76EA-77D6A42C5F37}"/>
+                <a16:creationId xmlns:a16="http://schemas.microsoft.com/office/drawing/2014/main" id="{7F8FC70E-C52F-D513-B610-914EA5C79763}"/>
               </a:ext>
             </a:extLst>
           </p:cNvPr>
@@ -6326,7 +6849,7 @@
           <p:cNvPr id="12" name="직선 화살표 연결선 11">
             <a:extLst>
               <a:ext uri="{FF2B5EF4-FFF2-40B4-BE49-F238E27FC236}">
-                <a16:creationId xmlns:a16="http://schemas.microsoft.com/office/drawing/2014/main" id="{6786B161-5CFD-FE3A-52FD-4F8AB4A309CE}"/>
+                <a16:creationId xmlns:a16="http://schemas.microsoft.com/office/drawing/2014/main" id="{BB70B65F-7615-D334-C2B2-0D020FDD6DCB}"/>
               </a:ext>
             </a:extLst>
           </p:cNvPr>
@@ -6366,10 +6889,91 @@
           </a:fontRef>
         </p:style>
       </p:cxnSp>
+      <p:sp>
+        <p:nvSpPr>
+          <p:cNvPr id="3" name="TextBox 2">
+            <a:extLst>
+              <a:ext uri="{FF2B5EF4-FFF2-40B4-BE49-F238E27FC236}">
+                <a16:creationId xmlns:a16="http://schemas.microsoft.com/office/drawing/2014/main" id="{8EE0F89A-A90C-17FA-59C7-A0BE9DF7352A}"/>
+              </a:ext>
+            </a:extLst>
+          </p:cNvPr>
+          <p:cNvSpPr txBox="1"/>
+          <p:nvPr/>
+        </p:nvSpPr>
+        <p:spPr>
+          <a:xfrm>
+            <a:off x="7960935" y="4884789"/>
+            <a:ext cx="3701591" cy="369332"/>
+          </a:xfrm>
+          <a:prstGeom prst="rect">
+            <a:avLst/>
+          </a:prstGeom>
+          <a:noFill/>
+        </p:spPr>
+        <p:txBody>
+          <a:bodyPr wrap="none" rtlCol="0">
+            <a:spAutoFit/>
+          </a:bodyPr>
+          <a:lstStyle/>
+          <a:p>
+            <a:r>
+              <a:rPr lang="en-US" altLang="ko-KR" dirty="0"/>
+              <a:t>Mean or Gaussian Mixture Model</a:t>
+            </a:r>
+            <a:endParaRPr lang="ko-KR" altLang="en-US" dirty="0"/>
+          </a:p>
+        </p:txBody>
+      </p:sp>
+      <p:cxnSp>
+        <p:nvCxnSpPr>
+          <p:cNvPr id="4" name="직선 화살표 연결선 3">
+            <a:extLst>
+              <a:ext uri="{FF2B5EF4-FFF2-40B4-BE49-F238E27FC236}">
+                <a16:creationId xmlns:a16="http://schemas.microsoft.com/office/drawing/2014/main" id="{359BCC56-BFE0-0601-7FA6-26126017D3DD}"/>
+              </a:ext>
+            </a:extLst>
+          </p:cNvPr>
+          <p:cNvCxnSpPr>
+            <a:cxnSpLocks/>
+            <a:stCxn id="3" idx="1"/>
+          </p:cNvCxnSpPr>
+          <p:nvPr/>
+        </p:nvCxnSpPr>
+        <p:spPr>
+          <a:xfrm flipH="1">
+            <a:off x="5181600" y="5069455"/>
+            <a:ext cx="2779335" cy="0"/>
+          </a:xfrm>
+          <a:prstGeom prst="straightConnector1">
+            <a:avLst/>
+          </a:prstGeom>
+          <a:ln w="38100">
+            <a:solidFill>
+              <a:srgbClr val="00B050"/>
+            </a:solidFill>
+            <a:tailEnd type="triangle"/>
+          </a:ln>
+        </p:spPr>
+        <p:style>
+          <a:lnRef idx="2">
+            <a:schemeClr val="accent1"/>
+          </a:lnRef>
+          <a:fillRef idx="0">
+            <a:schemeClr val="accent1"/>
+          </a:fillRef>
+          <a:effectRef idx="1">
+            <a:schemeClr val="accent1"/>
+          </a:effectRef>
+          <a:fontRef idx="minor">
+            <a:schemeClr val="tx1"/>
+          </a:fontRef>
+        </p:style>
+      </p:cxnSp>
     </p:spTree>
     <p:extLst>
       <p:ext uri="{BB962C8B-B14F-4D97-AF65-F5344CB8AC3E}">
-        <p14:creationId xmlns:p14="http://schemas.microsoft.com/office/powerpoint/2010/main" val="3698788633"/>
+        <p14:creationId xmlns:p14="http://schemas.microsoft.com/office/powerpoint/2010/main" val="3193570452"/>
       </p:ext>
     </p:extLst>
   </p:cSld>

--- a/2_0729/0729_progress.pptx
+++ b/2_0729/0729_progress.pptx
@@ -5702,6 +5702,141 @@
           </a:prstGeom>
         </p:spPr>
       </p:pic>
+      <p:sp>
+        <p:nvSpPr>
+          <p:cNvPr id="3" name="TextBox 2">
+            <a:extLst>
+              <a:ext uri="{FF2B5EF4-FFF2-40B4-BE49-F238E27FC236}">
+                <a16:creationId xmlns:a16="http://schemas.microsoft.com/office/drawing/2014/main" id="{24888895-18C0-72F6-E681-81EDF36F2E50}"/>
+              </a:ext>
+            </a:extLst>
+          </p:cNvPr>
+          <p:cNvSpPr txBox="1"/>
+          <p:nvPr/>
+        </p:nvSpPr>
+        <p:spPr>
+          <a:xfrm>
+            <a:off x="925962" y="2343307"/>
+            <a:ext cx="837089" cy="369332"/>
+          </a:xfrm>
+          <a:prstGeom prst="rect">
+            <a:avLst/>
+          </a:prstGeom>
+          <a:noFill/>
+        </p:spPr>
+        <p:txBody>
+          <a:bodyPr wrap="none" rtlCol="0">
+            <a:spAutoFit/>
+          </a:bodyPr>
+          <a:lstStyle/>
+          <a:p>
+            <a:r>
+              <a:rPr lang="en-US" altLang="ko-KR" dirty="0">
+                <a:solidFill>
+                  <a:srgbClr val="FF0000"/>
+                </a:solidFill>
+              </a:rPr>
+              <a:t>Code?</a:t>
+            </a:r>
+            <a:endParaRPr lang="ko-KR" altLang="en-US" dirty="0">
+              <a:solidFill>
+                <a:srgbClr val="FF0000"/>
+              </a:solidFill>
+            </a:endParaRPr>
+          </a:p>
+        </p:txBody>
+      </p:sp>
+      <p:pic>
+        <p:nvPicPr>
+          <p:cNvPr id="5" name="Picture 4" descr="Intrinsic neural network dynamics underlying the ability to down-regulate  emotions in male perpetrators of intimate partner violence against women |  springermedizin.de">
+            <a:extLst>
+              <a:ext uri="{FF2B5EF4-FFF2-40B4-BE49-F238E27FC236}">
+                <a16:creationId xmlns:a16="http://schemas.microsoft.com/office/drawing/2014/main" id="{A8CFB5F6-A609-B74C-D364-9105D38BD5C6}"/>
+              </a:ext>
+            </a:extLst>
+          </p:cNvPr>
+          <p:cNvPicPr>
+            <a:picLocks noChangeAspect="1" noChangeArrowheads="1"/>
+          </p:cNvPicPr>
+          <p:nvPr/>
+        </p:nvPicPr>
+        <p:blipFill>
+          <a:blip r:embed="rId3">
+            <a:extLst>
+              <a:ext uri="{28A0092B-C50C-407E-A947-70E740481C1C}">
+                <a14:useLocalDpi xmlns:a14="http://schemas.microsoft.com/office/drawing/2010/main" val="0"/>
+              </a:ext>
+            </a:extLst>
+          </a:blip>
+          <a:srcRect/>
+          <a:stretch>
+            <a:fillRect/>
+          </a:stretch>
+        </p:blipFill>
+        <p:spPr bwMode="auto">
+          <a:xfrm>
+            <a:off x="2806338" y="5167312"/>
+            <a:ext cx="1417320" cy="1502282"/>
+          </a:xfrm>
+          <a:prstGeom prst="rect">
+            <a:avLst/>
+          </a:prstGeom>
+          <a:noFill/>
+          <a:extLst>
+            <a:ext uri="{909E8E84-426E-40DD-AFC4-6F175D3DCCD1}">
+              <a14:hiddenFill xmlns:a14="http://schemas.microsoft.com/office/drawing/2010/main">
+                <a:solidFill>
+                  <a:srgbClr val="FFFFFF"/>
+                </a:solidFill>
+              </a14:hiddenFill>
+            </a:ext>
+          </a:extLst>
+        </p:spPr>
+      </p:pic>
+      <p:cxnSp>
+        <p:nvCxnSpPr>
+          <p:cNvPr id="6" name="직선 화살표 연결선 5">
+            <a:extLst>
+              <a:ext uri="{FF2B5EF4-FFF2-40B4-BE49-F238E27FC236}">
+                <a16:creationId xmlns:a16="http://schemas.microsoft.com/office/drawing/2014/main" id="{CA92C4C1-9885-4B41-C7F2-1ABBD98BE0DF}"/>
+              </a:ext>
+            </a:extLst>
+          </p:cNvPr>
+          <p:cNvCxnSpPr>
+            <a:cxnSpLocks/>
+          </p:cNvCxnSpPr>
+          <p:nvPr/>
+        </p:nvCxnSpPr>
+        <p:spPr>
+          <a:xfrm flipH="1" flipV="1">
+            <a:off x="2899954" y="3429000"/>
+            <a:ext cx="687977" cy="1738312"/>
+          </a:xfrm>
+          <a:prstGeom prst="straightConnector1">
+            <a:avLst/>
+          </a:prstGeom>
+          <a:ln w="57150">
+            <a:solidFill>
+              <a:srgbClr val="7030A0"/>
+            </a:solidFill>
+            <a:tailEnd type="triangle"/>
+          </a:ln>
+        </p:spPr>
+        <p:style>
+          <a:lnRef idx="2">
+            <a:schemeClr val="accent1"/>
+          </a:lnRef>
+          <a:fillRef idx="0">
+            <a:schemeClr val="accent1"/>
+          </a:fillRef>
+          <a:effectRef idx="1">
+            <a:schemeClr val="accent1"/>
+          </a:effectRef>
+          <a:fontRef idx="minor">
+            <a:schemeClr val="tx1"/>
+          </a:fontRef>
+        </p:style>
+      </p:cxnSp>
     </p:spTree>
     <p:extLst>
       <p:ext uri="{BB962C8B-B14F-4D97-AF65-F5344CB8AC3E}">

--- a/2_0729/0729_progress.pptx
+++ b/2_0729/0729_progress.pptx
@@ -16,6 +16,7 @@
     <p:sldId id="328" r:id="rId10"/>
     <p:sldId id="327" r:id="rId11"/>
     <p:sldId id="323" r:id="rId12"/>
+    <p:sldId id="330" r:id="rId13"/>
   </p:sldIdLst>
   <p:sldSz cx="12192000" cy="6858000"/>
   <p:notesSz cx="6858000" cy="9144000"/>
@@ -4278,6 +4279,115 @@
 </p:sld>
 </file>
 
+<file path=ppt/slides/slide12.xml><?xml version="1.0" encoding="utf-8"?>
+<p:sld xmlns:a="http://schemas.openxmlformats.org/drawingml/2006/main" xmlns:r="http://schemas.openxmlformats.org/officeDocument/2006/relationships" xmlns:p="http://schemas.openxmlformats.org/presentationml/2006/main">
+  <p:cSld>
+    <p:spTree>
+      <p:nvGrpSpPr>
+        <p:cNvPr id="1" name=""/>
+        <p:cNvGrpSpPr/>
+        <p:nvPr/>
+      </p:nvGrpSpPr>
+      <p:grpSpPr>
+        <a:xfrm>
+          <a:off x="0" y="0"/>
+          <a:ext cx="0" cy="0"/>
+          <a:chOff x="0" y="0"/>
+          <a:chExt cx="0" cy="0"/>
+        </a:xfrm>
+      </p:grpSpPr>
+      <p:sp>
+        <p:nvSpPr>
+          <p:cNvPr id="2" name="제목 1">
+            <a:extLst>
+              <a:ext uri="{FF2B5EF4-FFF2-40B4-BE49-F238E27FC236}">
+                <a16:creationId xmlns:a16="http://schemas.microsoft.com/office/drawing/2014/main" id="{4C6B6AC6-4246-2188-2D8B-0C96765E544F}"/>
+              </a:ext>
+            </a:extLst>
+          </p:cNvPr>
+          <p:cNvSpPr>
+            <a:spLocks noGrp="1"/>
+          </p:cNvSpPr>
+          <p:nvPr>
+            <p:ph type="title"/>
+          </p:nvPr>
+        </p:nvSpPr>
+        <p:spPr/>
+        <p:txBody>
+          <a:bodyPr/>
+          <a:lstStyle/>
+          <a:p>
+            <a:endParaRPr lang="ko-KR" altLang="en-US"/>
+          </a:p>
+        </p:txBody>
+      </p:sp>
+      <p:sp>
+        <p:nvSpPr>
+          <p:cNvPr id="3" name="내용 개체 틀 2">
+            <a:extLst>
+              <a:ext uri="{FF2B5EF4-FFF2-40B4-BE49-F238E27FC236}">
+                <a16:creationId xmlns:a16="http://schemas.microsoft.com/office/drawing/2014/main" id="{1F0281E5-1728-3178-C661-A4BC223E0B7C}"/>
+              </a:ext>
+            </a:extLst>
+          </p:cNvPr>
+          <p:cNvSpPr>
+            <a:spLocks noGrp="1"/>
+          </p:cNvSpPr>
+          <p:nvPr>
+            <p:ph idx="1"/>
+          </p:nvPr>
+        </p:nvSpPr>
+        <p:spPr/>
+        <p:txBody>
+          <a:bodyPr/>
+          <a:lstStyle/>
+          <a:p>
+            <a:pPr marL="0" indent="0">
+              <a:buNone/>
+            </a:pPr>
+            <a:r>
+              <a:rPr lang="ko-KR" altLang="en-US" dirty="0"/>
+              <a:t>인간　인지구조　더　찾아보기</a:t>
+            </a:r>
+            <a:endParaRPr lang="en-US" altLang="ko-KR" dirty="0"/>
+          </a:p>
+          <a:p>
+            <a:pPr marL="0" indent="0">
+              <a:buNone/>
+            </a:pPr>
+            <a:r>
+              <a:rPr lang="ko-KR" altLang="en-US" dirty="0"/>
+              <a:t>－＞　모사　필요</a:t>
+            </a:r>
+            <a:endParaRPr lang="en-US" altLang="ko-KR" dirty="0"/>
+          </a:p>
+          <a:p>
+            <a:pPr marL="0" indent="0">
+              <a:buNone/>
+            </a:pPr>
+            <a:endParaRPr lang="en-US" altLang="ko-KR" dirty="0"/>
+          </a:p>
+          <a:p>
+            <a:pPr marL="0" indent="0">
+              <a:buNone/>
+            </a:pPr>
+            <a:endParaRPr lang="en-US" altLang="ko-KR" dirty="0"/>
+          </a:p>
+        </p:txBody>
+      </p:sp>
+    </p:spTree>
+    <p:extLst>
+      <p:ext uri="{BB962C8B-B14F-4D97-AF65-F5344CB8AC3E}">
+        <p14:creationId xmlns:p14="http://schemas.microsoft.com/office/powerpoint/2010/main" val="1996062854"/>
+      </p:ext>
+    </p:extLst>
+  </p:cSld>
+  <p:clrMapOvr>
+    <a:masterClrMapping/>
+  </p:clrMapOvr>
+</p:sld>
+</file>
+
 <file path=ppt/slides/slide2.xml><?xml version="1.0" encoding="utf-8"?>
 <p:sld xmlns:a="http://schemas.openxmlformats.org/drawingml/2006/main" xmlns:r="http://schemas.openxmlformats.org/officeDocument/2006/relationships" xmlns:p="http://schemas.openxmlformats.org/presentationml/2006/main">
   <p:cSld>
